--- a/ppt系列/连接数据库mysql.pptx
+++ b/ppt系列/连接数据库mysql.pptx
@@ -104,6 +104,22 @@
       </a:defRPr>
     </a:lvl9pPr>
   </p:defaultTextStyle>
+  <p:extLst>
+    <p:ext uri="{EFAFB233-063F-42B5-8137-9DF3F51BA10A}">
+      <p15:sldGuideLst xmlns:p15="http://schemas.microsoft.com/office/powerpoint/2012/main">
+        <p15:guide id="1" orient="horz" pos="2160">
+          <p15:clr>
+            <a:srgbClr val="A4A3A4"/>
+          </p15:clr>
+        </p15:guide>
+        <p15:guide id="2" pos="2880">
+          <p15:clr>
+            <a:srgbClr val="A4A3A4"/>
+          </p15:clr>
+        </p15:guide>
+      </p15:sldGuideLst>
+    </p:ext>
+  </p:extLst>
 </p:presentation>
 </file>
 
@@ -288,7 +304,7 @@
           <a:p>
             <a:fld id="{80737410-0A92-4900-85E4-91BB10436C1B}" type="datetimeFigureOut">
               <a:rPr lang="zh-CN" altLang="en-US" smtClean="0"/>
-              <a:t>2015/7/29</a:t>
+              <a:t>2015/7/31</a:t>
             </a:fld>
             <a:endParaRPr lang="zh-CN" altLang="en-US"/>
           </a:p>
@@ -453,7 +469,7 @@
           <a:p>
             <a:fld id="{80737410-0A92-4900-85E4-91BB10436C1B}" type="datetimeFigureOut">
               <a:rPr lang="zh-CN" altLang="en-US" smtClean="0"/>
-              <a:t>2015/7/29</a:t>
+              <a:t>2015/7/31</a:t>
             </a:fld>
             <a:endParaRPr lang="zh-CN" altLang="en-US"/>
           </a:p>
@@ -628,7 +644,7 @@
           <a:p>
             <a:fld id="{80737410-0A92-4900-85E4-91BB10436C1B}" type="datetimeFigureOut">
               <a:rPr lang="zh-CN" altLang="en-US" smtClean="0"/>
-              <a:t>2015/7/29</a:t>
+              <a:t>2015/7/31</a:t>
             </a:fld>
             <a:endParaRPr lang="zh-CN" altLang="en-US"/>
           </a:p>
@@ -793,7 +809,7 @@
           <a:p>
             <a:fld id="{80737410-0A92-4900-85E4-91BB10436C1B}" type="datetimeFigureOut">
               <a:rPr lang="zh-CN" altLang="en-US" smtClean="0"/>
-              <a:t>2015/7/29</a:t>
+              <a:t>2015/7/31</a:t>
             </a:fld>
             <a:endParaRPr lang="zh-CN" altLang="en-US"/>
           </a:p>
@@ -1034,7 +1050,7 @@
           <a:p>
             <a:fld id="{80737410-0A92-4900-85E4-91BB10436C1B}" type="datetimeFigureOut">
               <a:rPr lang="zh-CN" altLang="en-US" smtClean="0"/>
-              <a:t>2015/7/29</a:t>
+              <a:t>2015/7/31</a:t>
             </a:fld>
             <a:endParaRPr lang="zh-CN" altLang="en-US"/>
           </a:p>
@@ -1317,7 +1333,7 @@
           <a:p>
             <a:fld id="{80737410-0A92-4900-85E4-91BB10436C1B}" type="datetimeFigureOut">
               <a:rPr lang="zh-CN" altLang="en-US" smtClean="0"/>
-              <a:t>2015/7/29</a:t>
+              <a:t>2015/7/31</a:t>
             </a:fld>
             <a:endParaRPr lang="zh-CN" altLang="en-US"/>
           </a:p>
@@ -1734,7 +1750,7 @@
           <a:p>
             <a:fld id="{80737410-0A92-4900-85E4-91BB10436C1B}" type="datetimeFigureOut">
               <a:rPr lang="zh-CN" altLang="en-US" smtClean="0"/>
-              <a:t>2015/7/29</a:t>
+              <a:t>2015/7/31</a:t>
             </a:fld>
             <a:endParaRPr lang="zh-CN" altLang="en-US"/>
           </a:p>
@@ -1847,7 +1863,7 @@
           <a:p>
             <a:fld id="{80737410-0A92-4900-85E4-91BB10436C1B}" type="datetimeFigureOut">
               <a:rPr lang="zh-CN" altLang="en-US" smtClean="0"/>
-              <a:t>2015/7/29</a:t>
+              <a:t>2015/7/31</a:t>
             </a:fld>
             <a:endParaRPr lang="zh-CN" altLang="en-US"/>
           </a:p>
@@ -1937,7 +1953,7 @@
           <a:p>
             <a:fld id="{80737410-0A92-4900-85E4-91BB10436C1B}" type="datetimeFigureOut">
               <a:rPr lang="zh-CN" altLang="en-US" smtClean="0"/>
-              <a:t>2015/7/29</a:t>
+              <a:t>2015/7/31</a:t>
             </a:fld>
             <a:endParaRPr lang="zh-CN" altLang="en-US"/>
           </a:p>
@@ -2209,7 +2225,7 @@
           <a:p>
             <a:fld id="{80737410-0A92-4900-85E4-91BB10436C1B}" type="datetimeFigureOut">
               <a:rPr lang="zh-CN" altLang="en-US" smtClean="0"/>
-              <a:t>2015/7/29</a:t>
+              <a:t>2015/7/31</a:t>
             </a:fld>
             <a:endParaRPr lang="zh-CN" altLang="en-US"/>
           </a:p>
@@ -2457,7 +2473,7 @@
           <a:p>
             <a:fld id="{80737410-0A92-4900-85E4-91BB10436C1B}" type="datetimeFigureOut">
               <a:rPr lang="zh-CN" altLang="en-US" smtClean="0"/>
-              <a:t>2015/7/29</a:t>
+              <a:t>2015/7/31</a:t>
             </a:fld>
             <a:endParaRPr lang="zh-CN" altLang="en-US"/>
           </a:p>
@@ -2665,7 +2681,7 @@
           <a:p>
             <a:fld id="{80737410-0A92-4900-85E4-91BB10436C1B}" type="datetimeFigureOut">
               <a:rPr lang="zh-CN" altLang="en-US" smtClean="0"/>
-              <a:t>2015/7/29</a:t>
+              <a:t>2015/7/31</a:t>
             </a:fld>
             <a:endParaRPr lang="zh-CN" altLang="en-US"/>
           </a:p>
@@ -3328,8 +3344,16 @@
               <a:t>mysql</a:t>
             </a:r>
             <a:r>
+              <a:rPr lang="en-US" altLang="zh-CN" dirty="0" smtClean="0"/>
+              <a:t> –u root -p</a:t>
+            </a:r>
+            <a:r>
               <a:rPr lang="zh-CN" altLang="en-US" dirty="0" smtClean="0"/>
-              <a:t>，点击回车，就会进入</a:t>
+              <a:t>，</a:t>
+            </a:r>
+            <a:r>
+              <a:rPr lang="zh-CN" altLang="en-US" dirty="0" smtClean="0"/>
+              <a:t>点击回车，就会进入</a:t>
             </a:r>
             <a:r>
               <a:rPr lang="en-US" altLang="zh-CN" dirty="0" err="1" smtClean="0"/>

--- a/ppt系列/连接数据库mysql.pptx
+++ b/ppt系列/连接数据库mysql.pptx
@@ -304,7 +304,7 @@
           <a:p>
             <a:fld id="{80737410-0A92-4900-85E4-91BB10436C1B}" type="datetimeFigureOut">
               <a:rPr lang="zh-CN" altLang="en-US" smtClean="0"/>
-              <a:t>2015/7/31</a:t>
+              <a:t>2015/8/3</a:t>
             </a:fld>
             <a:endParaRPr lang="zh-CN" altLang="en-US"/>
           </a:p>
@@ -469,7 +469,7 @@
           <a:p>
             <a:fld id="{80737410-0A92-4900-85E4-91BB10436C1B}" type="datetimeFigureOut">
               <a:rPr lang="zh-CN" altLang="en-US" smtClean="0"/>
-              <a:t>2015/7/31</a:t>
+              <a:t>2015/8/3</a:t>
             </a:fld>
             <a:endParaRPr lang="zh-CN" altLang="en-US"/>
           </a:p>
@@ -644,7 +644,7 @@
           <a:p>
             <a:fld id="{80737410-0A92-4900-85E4-91BB10436C1B}" type="datetimeFigureOut">
               <a:rPr lang="zh-CN" altLang="en-US" smtClean="0"/>
-              <a:t>2015/7/31</a:t>
+              <a:t>2015/8/3</a:t>
             </a:fld>
             <a:endParaRPr lang="zh-CN" altLang="en-US"/>
           </a:p>
@@ -809,7 +809,7 @@
           <a:p>
             <a:fld id="{80737410-0A92-4900-85E4-91BB10436C1B}" type="datetimeFigureOut">
               <a:rPr lang="zh-CN" altLang="en-US" smtClean="0"/>
-              <a:t>2015/7/31</a:t>
+              <a:t>2015/8/3</a:t>
             </a:fld>
             <a:endParaRPr lang="zh-CN" altLang="en-US"/>
           </a:p>
@@ -1050,7 +1050,7 @@
           <a:p>
             <a:fld id="{80737410-0A92-4900-85E4-91BB10436C1B}" type="datetimeFigureOut">
               <a:rPr lang="zh-CN" altLang="en-US" smtClean="0"/>
-              <a:t>2015/7/31</a:t>
+              <a:t>2015/8/3</a:t>
             </a:fld>
             <a:endParaRPr lang="zh-CN" altLang="en-US"/>
           </a:p>
@@ -1333,7 +1333,7 @@
           <a:p>
             <a:fld id="{80737410-0A92-4900-85E4-91BB10436C1B}" type="datetimeFigureOut">
               <a:rPr lang="zh-CN" altLang="en-US" smtClean="0"/>
-              <a:t>2015/7/31</a:t>
+              <a:t>2015/8/3</a:t>
             </a:fld>
             <a:endParaRPr lang="zh-CN" altLang="en-US"/>
           </a:p>
@@ -1750,7 +1750,7 @@
           <a:p>
             <a:fld id="{80737410-0A92-4900-85E4-91BB10436C1B}" type="datetimeFigureOut">
               <a:rPr lang="zh-CN" altLang="en-US" smtClean="0"/>
-              <a:t>2015/7/31</a:t>
+              <a:t>2015/8/3</a:t>
             </a:fld>
             <a:endParaRPr lang="zh-CN" altLang="en-US"/>
           </a:p>
@@ -1863,7 +1863,7 @@
           <a:p>
             <a:fld id="{80737410-0A92-4900-85E4-91BB10436C1B}" type="datetimeFigureOut">
               <a:rPr lang="zh-CN" altLang="en-US" smtClean="0"/>
-              <a:t>2015/7/31</a:t>
+              <a:t>2015/8/3</a:t>
             </a:fld>
             <a:endParaRPr lang="zh-CN" altLang="en-US"/>
           </a:p>
@@ -1953,7 +1953,7 @@
           <a:p>
             <a:fld id="{80737410-0A92-4900-85E4-91BB10436C1B}" type="datetimeFigureOut">
               <a:rPr lang="zh-CN" altLang="en-US" smtClean="0"/>
-              <a:t>2015/7/31</a:t>
+              <a:t>2015/8/3</a:t>
             </a:fld>
             <a:endParaRPr lang="zh-CN" altLang="en-US"/>
           </a:p>
@@ -2225,7 +2225,7 @@
           <a:p>
             <a:fld id="{80737410-0A92-4900-85E4-91BB10436C1B}" type="datetimeFigureOut">
               <a:rPr lang="zh-CN" altLang="en-US" smtClean="0"/>
-              <a:t>2015/7/31</a:t>
+              <a:t>2015/8/3</a:t>
             </a:fld>
             <a:endParaRPr lang="zh-CN" altLang="en-US"/>
           </a:p>
@@ -2473,7 +2473,7 @@
           <a:p>
             <a:fld id="{80737410-0A92-4900-85E4-91BB10436C1B}" type="datetimeFigureOut">
               <a:rPr lang="zh-CN" altLang="en-US" smtClean="0"/>
-              <a:t>2015/7/31</a:t>
+              <a:t>2015/8/3</a:t>
             </a:fld>
             <a:endParaRPr lang="zh-CN" altLang="en-US"/>
           </a:p>
@@ -2681,7 +2681,7 @@
           <a:p>
             <a:fld id="{80737410-0A92-4900-85E4-91BB10436C1B}" type="datetimeFigureOut">
               <a:rPr lang="zh-CN" altLang="en-US" smtClean="0"/>
-              <a:t>2015/7/31</a:t>
+              <a:t>2015/8/3</a:t>
             </a:fld>
             <a:endParaRPr lang="zh-CN" altLang="en-US"/>
           </a:p>
@@ -3349,11 +3349,7 @@
             </a:r>
             <a:r>
               <a:rPr lang="zh-CN" altLang="en-US" dirty="0" smtClean="0"/>
-              <a:t>，</a:t>
-            </a:r>
-            <a:r>
-              <a:rPr lang="zh-CN" altLang="en-US" dirty="0" smtClean="0"/>
-              <a:t>点击回车，就会进入</a:t>
+              <a:t>，点击回车，就会进入</a:t>
             </a:r>
             <a:r>
               <a:rPr lang="en-US" altLang="zh-CN" dirty="0" err="1" smtClean="0"/>
@@ -3519,6 +3515,30 @@
             <a:tailEnd/>
           </a:ln>
           <a:effectLst/>
+        </p:spPr>
+      </p:pic>
+      <p:pic>
+        <p:nvPicPr>
+          <p:cNvPr id="3" name="图片 2"/>
+          <p:cNvPicPr>
+            <a:picLocks noChangeAspect="1"/>
+          </p:cNvPicPr>
+          <p:nvPr/>
+        </p:nvPicPr>
+        <p:blipFill>
+          <a:blip r:embed="rId4"/>
+          <a:stretch>
+            <a:fillRect/>
+          </a:stretch>
+        </p:blipFill>
+        <p:spPr>
+          <a:xfrm>
+            <a:off x="3630364" y="1876183"/>
+            <a:ext cx="2714625" cy="495300"/>
+          </a:xfrm>
+          <a:prstGeom prst="rect">
+            <a:avLst/>
+          </a:prstGeom>
         </p:spPr>
       </p:pic>
     </p:spTree>
